--- a/IET MySQL PPT Ver7.pptx
+++ b/IET MySQL PPT Ver7.pptx
@@ -5520,7 +5520,19 @@
               <a:rPr lang="en-US" sz="2000" b="1" dirty="0">
                 <a:latin typeface="Palatino Linotype" panose="02040502050505030304" pitchFamily="18" charset="0"/>
               </a:rPr>
-              <a:t>organized, store and retrieve large amount of data </a:t>
+              <a:t>organized, </a:t>
+            </a:r>
+            <a:r>
+              <a:rPr lang="en-US" sz="2000" dirty="0">
+                <a:latin typeface="Palatino Linotype" panose="02040502050505030304" pitchFamily="18" charset="0"/>
+              </a:rPr>
+              <a:t>database can store and retrieve large amount of data</a:t>
+            </a:r>
+            <a:r>
+              <a:rPr lang="en-US" sz="2000" b="1" dirty="0">
+                <a:latin typeface="Palatino Linotype" panose="02040502050505030304" pitchFamily="18" charset="0"/>
+              </a:rPr>
+              <a:t> </a:t>
             </a:r>
             <a:r>
               <a:rPr lang="en-US" sz="2000" dirty="0">
@@ -5749,6 +5761,48 @@
               </a:solidFill>
               <a:latin typeface="Arial" panose="020B0604020202020204" pitchFamily="34" charset="0"/>
             </a:endParaRPr>
+          </a:p>
+        </p:txBody>
+      </p:sp>
+      <p:sp>
+        <p:nvSpPr>
+          <p:cNvPr id="8" name="TextBox 7">
+            <a:extLst>
+              <a:ext uri="{FF2B5EF4-FFF2-40B4-BE49-F238E27FC236}">
+                <a16:creationId xmlns:a16="http://schemas.microsoft.com/office/drawing/2014/main" id="{EEE41E6B-CA65-4CDC-AD32-0A7D9F998EB5}"/>
+              </a:ext>
+            </a:extLst>
+          </p:cNvPr>
+          <p:cNvSpPr txBox="1"/>
+          <p:nvPr/>
+        </p:nvSpPr>
+        <p:spPr>
+          <a:xfrm>
+            <a:off x="695400" y="5899584"/>
+            <a:ext cx="6096000" cy="369332"/>
+          </a:xfrm>
+          <a:prstGeom prst="rect">
+            <a:avLst/>
+          </a:prstGeom>
+          <a:noFill/>
+        </p:spPr>
+        <p:txBody>
+          <a:bodyPr wrap="square">
+            <a:spAutoFit/>
+          </a:bodyPr>
+          <a:lstStyle/>
+          <a:p>
+            <a:r>
+              <a:rPr lang="en-US" b="0" i="0" dirty="0">
+                <a:solidFill>
+                  <a:srgbClr val="161513"/>
+                </a:solidFill>
+                <a:effectLst/>
+                <a:latin typeface="OracleSansVF"/>
+              </a:rPr>
+              <a:t>A database is an organized collection of structured information</a:t>
+            </a:r>
+            <a:endParaRPr lang="en-IN" dirty="0"/>
           </a:p>
         </p:txBody>
       </p:sp>
@@ -9775,6 +9829,271 @@
   <p:clrMapOvr>
     <a:masterClrMapping/>
   </p:clrMapOvr>
+  <p:timing>
+    <p:tnLst>
+      <p:par>
+        <p:cTn id="1" dur="indefinite" restart="never" nodeType="tmRoot">
+          <p:childTnLst>
+            <p:seq concurrent="1" nextAc="seek">
+              <p:cTn id="2" dur="indefinite" nodeType="mainSeq">
+                <p:childTnLst>
+                  <p:par>
+                    <p:cTn id="3" fill="hold">
+                      <p:stCondLst>
+                        <p:cond delay="indefinite"/>
+                      </p:stCondLst>
+                      <p:childTnLst>
+                        <p:par>
+                          <p:cTn id="4" fill="hold">
+                            <p:stCondLst>
+                              <p:cond delay="0"/>
+                            </p:stCondLst>
+                            <p:childTnLst>
+                              <p:par>
+                                <p:cTn id="5" presetID="1" presetClass="entr" presetSubtype="0" fill="hold" nodeType="clickEffect">
+                                  <p:stCondLst>
+                                    <p:cond delay="0"/>
+                                  </p:stCondLst>
+                                  <p:childTnLst>
+                                    <p:set>
+                                      <p:cBhvr>
+                                        <p:cTn id="6" dur="1" fill="hold">
+                                          <p:stCondLst>
+                                            <p:cond delay="0"/>
+                                          </p:stCondLst>
+                                        </p:cTn>
+                                        <p:tgtEl>
+                                          <p:spTgt spid="2">
+                                            <p:txEl>
+                                              <p:pRg st="1" end="1"/>
+                                            </p:txEl>
+                                          </p:spTgt>
+                                        </p:tgtEl>
+                                        <p:attrNameLst>
+                                          <p:attrName>style.visibility</p:attrName>
+                                        </p:attrNameLst>
+                                      </p:cBhvr>
+                                      <p:to>
+                                        <p:strVal val="visible"/>
+                                      </p:to>
+                                    </p:set>
+                                  </p:childTnLst>
+                                </p:cTn>
+                              </p:par>
+                              <p:par>
+                                <p:cTn id="7" presetID="1" presetClass="entr" presetSubtype="0" fill="hold" nodeType="withEffect">
+                                  <p:stCondLst>
+                                    <p:cond delay="0"/>
+                                  </p:stCondLst>
+                                  <p:childTnLst>
+                                    <p:set>
+                                      <p:cBhvr>
+                                        <p:cTn id="8" dur="1" fill="hold">
+                                          <p:stCondLst>
+                                            <p:cond delay="0"/>
+                                          </p:stCondLst>
+                                        </p:cTn>
+                                        <p:tgtEl>
+                                          <p:spTgt spid="2">
+                                            <p:txEl>
+                                              <p:pRg st="3" end="3"/>
+                                            </p:txEl>
+                                          </p:spTgt>
+                                        </p:tgtEl>
+                                        <p:attrNameLst>
+                                          <p:attrName>style.visibility</p:attrName>
+                                        </p:attrNameLst>
+                                      </p:cBhvr>
+                                      <p:to>
+                                        <p:strVal val="visible"/>
+                                      </p:to>
+                                    </p:set>
+                                  </p:childTnLst>
+                                </p:cTn>
+                              </p:par>
+                              <p:par>
+                                <p:cTn id="9" presetID="1" presetClass="entr" presetSubtype="0" fill="hold" nodeType="withEffect">
+                                  <p:stCondLst>
+                                    <p:cond delay="0"/>
+                                  </p:stCondLst>
+                                  <p:childTnLst>
+                                    <p:set>
+                                      <p:cBhvr>
+                                        <p:cTn id="10" dur="1" fill="hold">
+                                          <p:stCondLst>
+                                            <p:cond delay="0"/>
+                                          </p:stCondLst>
+                                        </p:cTn>
+                                        <p:tgtEl>
+                                          <p:spTgt spid="2">
+                                            <p:txEl>
+                                              <p:pRg st="4" end="4"/>
+                                            </p:txEl>
+                                          </p:spTgt>
+                                        </p:tgtEl>
+                                        <p:attrNameLst>
+                                          <p:attrName>style.visibility</p:attrName>
+                                        </p:attrNameLst>
+                                      </p:cBhvr>
+                                      <p:to>
+                                        <p:strVal val="visible"/>
+                                      </p:to>
+                                    </p:set>
+                                  </p:childTnLst>
+                                </p:cTn>
+                              </p:par>
+                              <p:par>
+                                <p:cTn id="11" presetID="1" presetClass="entr" presetSubtype="0" fill="hold" nodeType="withEffect">
+                                  <p:stCondLst>
+                                    <p:cond delay="0"/>
+                                  </p:stCondLst>
+                                  <p:childTnLst>
+                                    <p:set>
+                                      <p:cBhvr>
+                                        <p:cTn id="12" dur="1" fill="hold">
+                                          <p:stCondLst>
+                                            <p:cond delay="0"/>
+                                          </p:stCondLst>
+                                        </p:cTn>
+                                        <p:tgtEl>
+                                          <p:spTgt spid="2">
+                                            <p:txEl>
+                                              <p:pRg st="5" end="5"/>
+                                            </p:txEl>
+                                          </p:spTgt>
+                                        </p:tgtEl>
+                                        <p:attrNameLst>
+                                          <p:attrName>style.visibility</p:attrName>
+                                        </p:attrNameLst>
+                                      </p:cBhvr>
+                                      <p:to>
+                                        <p:strVal val="visible"/>
+                                      </p:to>
+                                    </p:set>
+                                  </p:childTnLst>
+                                </p:cTn>
+                              </p:par>
+                              <p:par>
+                                <p:cTn id="13" presetID="1" presetClass="entr" presetSubtype="0" fill="hold" nodeType="withEffect">
+                                  <p:stCondLst>
+                                    <p:cond delay="0"/>
+                                  </p:stCondLst>
+                                  <p:childTnLst>
+                                    <p:set>
+                                      <p:cBhvr>
+                                        <p:cTn id="14" dur="1" fill="hold">
+                                          <p:stCondLst>
+                                            <p:cond delay="0"/>
+                                          </p:stCondLst>
+                                        </p:cTn>
+                                        <p:tgtEl>
+                                          <p:spTgt spid="2">
+                                            <p:txEl>
+                                              <p:pRg st="6" end="6"/>
+                                            </p:txEl>
+                                          </p:spTgt>
+                                        </p:tgtEl>
+                                        <p:attrNameLst>
+                                          <p:attrName>style.visibility</p:attrName>
+                                        </p:attrNameLst>
+                                      </p:cBhvr>
+                                      <p:to>
+                                        <p:strVal val="visible"/>
+                                      </p:to>
+                                    </p:set>
+                                  </p:childTnLst>
+                                </p:cTn>
+                              </p:par>
+                              <p:par>
+                                <p:cTn id="15" presetID="1" presetClass="entr" presetSubtype="0" fill="hold" nodeType="withEffect">
+                                  <p:stCondLst>
+                                    <p:cond delay="0"/>
+                                  </p:stCondLst>
+                                  <p:childTnLst>
+                                    <p:set>
+                                      <p:cBhvr>
+                                        <p:cTn id="16" dur="1" fill="hold">
+                                          <p:stCondLst>
+                                            <p:cond delay="0"/>
+                                          </p:stCondLst>
+                                        </p:cTn>
+                                        <p:tgtEl>
+                                          <p:spTgt spid="2">
+                                            <p:txEl>
+                                              <p:pRg st="8" end="8"/>
+                                            </p:txEl>
+                                          </p:spTgt>
+                                        </p:tgtEl>
+                                        <p:attrNameLst>
+                                          <p:attrName>style.visibility</p:attrName>
+                                        </p:attrNameLst>
+                                      </p:cBhvr>
+                                      <p:to>
+                                        <p:strVal val="visible"/>
+                                      </p:to>
+                                    </p:set>
+                                  </p:childTnLst>
+                                </p:cTn>
+                              </p:par>
+                              <p:par>
+                                <p:cTn id="17" presetID="1" presetClass="entr" presetSubtype="0" fill="hold" nodeType="withEffect">
+                                  <p:stCondLst>
+                                    <p:cond delay="0"/>
+                                  </p:stCondLst>
+                                  <p:childTnLst>
+                                    <p:set>
+                                      <p:cBhvr>
+                                        <p:cTn id="18" dur="1" fill="hold">
+                                          <p:stCondLst>
+                                            <p:cond delay="0"/>
+                                          </p:stCondLst>
+                                        </p:cTn>
+                                        <p:tgtEl>
+                                          <p:spTgt spid="2">
+                                            <p:txEl>
+                                              <p:pRg st="9" end="9"/>
+                                            </p:txEl>
+                                          </p:spTgt>
+                                        </p:tgtEl>
+                                        <p:attrNameLst>
+                                          <p:attrName>style.visibility</p:attrName>
+                                        </p:attrNameLst>
+                                      </p:cBhvr>
+                                      <p:to>
+                                        <p:strVal val="visible"/>
+                                      </p:to>
+                                    </p:set>
+                                  </p:childTnLst>
+                                </p:cTn>
+                              </p:par>
+                            </p:childTnLst>
+                          </p:cTn>
+                        </p:par>
+                      </p:childTnLst>
+                    </p:cTn>
+                  </p:par>
+                </p:childTnLst>
+              </p:cTn>
+              <p:prevCondLst>
+                <p:cond evt="onPrev" delay="0">
+                  <p:tgtEl>
+                    <p:sldTgt/>
+                  </p:tgtEl>
+                </p:cond>
+              </p:prevCondLst>
+              <p:nextCondLst>
+                <p:cond evt="onNext" delay="0">
+                  <p:tgtEl>
+                    <p:sldTgt/>
+                  </p:tgtEl>
+                </p:cond>
+              </p:nextCondLst>
+            </p:seq>
+          </p:childTnLst>
+        </p:cTn>
+      </p:par>
+    </p:tnLst>
+  </p:timing>
 </p:sld>
 </file>
 

--- a/IET MySQL PPT Ver7.pptx
+++ b/IET MySQL PPT Ver7.pptx
@@ -9682,7 +9682,7 @@
             </a:r>
             <a:r>
               <a:rPr lang="en-IN" sz="2000" b="1" dirty="0"/>
-              <a:t> Data Access Layer [ Flat Files / RDBMS / NoSQL</a:t>
+              <a:t> Data Access Layer [ Flat Files / (OO)RDBMS / NoSQL</a:t>
             </a:r>
             <a:r>
               <a:rPr lang="en-US" sz="2000" b="1" dirty="0"/>
@@ -10685,7 +10685,7 @@
         <p:spPr>
           <a:xfrm>
             <a:off x="299356" y="950480"/>
-            <a:ext cx="11593288" cy="3724096"/>
+            <a:ext cx="11593288" cy="3862596"/>
           </a:xfrm>
           <a:prstGeom prst="rect">
             <a:avLst/>
@@ -10794,8 +10794,26 @@
                 </a:solidFill>
                 <a:latin typeface="Palatino Linotype" panose="02040502050505030304" pitchFamily="18" charset="0"/>
               </a:rPr>
-              <a:t>)</a:t>
-            </a:r>
+              <a:t>) --</a:t>
+            </a:r>
+            <a:r>
+              <a:rPr lang="en-US" sz="2200" b="0" i="0" dirty="0">
+                <a:solidFill>
+                  <a:srgbClr val="202124"/>
+                </a:solidFill>
+                <a:effectLst/>
+                <a:latin typeface="arial" panose="020B0604020202020204" pitchFamily="34" charset="0"/>
+              </a:rPr>
+              <a:t>a particular position or area</a:t>
+            </a:r>
+            <a:endParaRPr lang="en-IN" sz="2200" dirty="0">
+              <a:solidFill>
+                <a:schemeClr val="bg2">
+                  <a:lumMod val="25000"/>
+                </a:schemeClr>
+              </a:solidFill>
+              <a:latin typeface="Palatino Linotype" panose="02040502050505030304" pitchFamily="18" charset="0"/>
+            </a:endParaRPr>
           </a:p>
           <a:p>
             <a:pPr marL="342900" indent="-342900">
@@ -10826,7 +10844,7 @@
                 </a:solidFill>
                 <a:latin typeface="Palatino Linotype" panose="02040502050505030304" pitchFamily="18" charset="0"/>
               </a:rPr>
-              <a:t>computer, lab equipment, …</a:t>
+              <a:t>book, computer, lab equipment, …</a:t>
             </a:r>
             <a:r>
               <a:rPr lang="en-IN" sz="2200" dirty="0">
@@ -10837,8 +10855,26 @@
                 </a:solidFill>
                 <a:latin typeface="Palatino Linotype" panose="02040502050505030304" pitchFamily="18" charset="0"/>
               </a:rPr>
-              <a:t>)</a:t>
-            </a:r>
+              <a:t>) --</a:t>
+            </a:r>
+            <a:r>
+              <a:rPr lang="en-US" sz="2200" b="0" i="0" dirty="0">
+                <a:solidFill>
+                  <a:srgbClr val="202124"/>
+                </a:solidFill>
+                <a:effectLst/>
+                <a:latin typeface="arial" panose="020B0604020202020204" pitchFamily="34" charset="0"/>
+              </a:rPr>
+              <a:t>an object that is not named</a:t>
+            </a:r>
+            <a:endParaRPr lang="en-IN" sz="2200" dirty="0">
+              <a:solidFill>
+                <a:schemeClr val="bg2">
+                  <a:lumMod val="25000"/>
+                </a:schemeClr>
+              </a:solidFill>
+              <a:latin typeface="Palatino Linotype" panose="02040502050505030304" pitchFamily="18" charset="0"/>
+            </a:endParaRPr>
           </a:p>
           <a:p>
             <a:pPr marL="342900" indent="-342900">
@@ -10880,7 +10916,17 @@
                 </a:solidFill>
                 <a:latin typeface="Palatino Linotype" panose="02040502050505030304" pitchFamily="18" charset="0"/>
               </a:rPr>
-              <a:t>)</a:t>
+              <a:t>) --</a:t>
+            </a:r>
+            <a:r>
+              <a:rPr lang="en-IN" sz="2200" b="0" i="0" dirty="0">
+                <a:solidFill>
+                  <a:srgbClr val="202124"/>
+                </a:solidFill>
+                <a:effectLst/>
+                <a:latin typeface="arial" panose="020B0604020202020204" pitchFamily="34" charset="0"/>
+              </a:rPr>
+              <a:t> an idea</a:t>
             </a:r>
             <a:r>
               <a:rPr lang="en-IN" sz="2200" dirty="0">
